--- a/data/Images/Catford_etal_2021/Catford_etal_2021_01.pptx
+++ b/data/Images/Catford_etal_2021/Catford_etal_2021_01.pptx
@@ -225,7 +225,7 @@
           <a:p>
             <a:fld id="{A4B6114E-B4BC-5D44-8EBE-D03101D588A0}" type="datetimeFigureOut">
               <a:rPr kumimoji="1" lang="ja-JP" altLang="en-US" smtClean="0"/>
-              <a:t>2022/1/21</a:t>
+              <a:t>2022/2/15</a:t>
             </a:fld>
             <a:endParaRPr kumimoji="1" lang="ja-JP" altLang="en-US"/>
           </a:p>
@@ -1226,7 +1226,7 @@
           <a:p>
             <a:fld id="{6B2234B2-986A-634B-BE9E-2E8CC4B3C0FA}" type="datetimeFigureOut">
               <a:rPr kumimoji="1" lang="ja-JP" altLang="en-US" smtClean="0"/>
-              <a:t>2022/1/21</a:t>
+              <a:t>2022/2/15</a:t>
             </a:fld>
             <a:endParaRPr kumimoji="1" lang="ja-JP" altLang="en-US"/>
           </a:p>
@@ -1456,7 +1456,7 @@
           <a:p>
             <a:fld id="{6B2234B2-986A-634B-BE9E-2E8CC4B3C0FA}" type="datetimeFigureOut">
               <a:rPr kumimoji="1" lang="ja-JP" altLang="en-US" smtClean="0"/>
-              <a:t>2022/1/21</a:t>
+              <a:t>2022/2/15</a:t>
             </a:fld>
             <a:endParaRPr kumimoji="1" lang="ja-JP" altLang="en-US"/>
           </a:p>
@@ -1696,7 +1696,7 @@
           <a:p>
             <a:fld id="{6B2234B2-986A-634B-BE9E-2E8CC4B3C0FA}" type="datetimeFigureOut">
               <a:rPr kumimoji="1" lang="ja-JP" altLang="en-US" smtClean="0"/>
-              <a:t>2022/1/21</a:t>
+              <a:t>2022/2/15</a:t>
             </a:fld>
             <a:endParaRPr kumimoji="1" lang="ja-JP" altLang="en-US"/>
           </a:p>
@@ -1926,7 +1926,7 @@
           <a:p>
             <a:fld id="{6B2234B2-986A-634B-BE9E-2E8CC4B3C0FA}" type="datetimeFigureOut">
               <a:rPr kumimoji="1" lang="ja-JP" altLang="en-US" smtClean="0"/>
-              <a:t>2022/1/21</a:t>
+              <a:t>2022/2/15</a:t>
             </a:fld>
             <a:endParaRPr kumimoji="1" lang="ja-JP" altLang="en-US"/>
           </a:p>
@@ -2201,7 +2201,7 @@
           <a:p>
             <a:fld id="{6B2234B2-986A-634B-BE9E-2E8CC4B3C0FA}" type="datetimeFigureOut">
               <a:rPr kumimoji="1" lang="ja-JP" altLang="en-US" smtClean="0"/>
-              <a:t>2022/1/21</a:t>
+              <a:t>2022/2/15</a:t>
             </a:fld>
             <a:endParaRPr kumimoji="1" lang="ja-JP" altLang="en-US"/>
           </a:p>
@@ -2530,7 +2530,7 @@
           <a:p>
             <a:fld id="{6B2234B2-986A-634B-BE9E-2E8CC4B3C0FA}" type="datetimeFigureOut">
               <a:rPr kumimoji="1" lang="ja-JP" altLang="en-US" smtClean="0"/>
-              <a:t>2022/1/21</a:t>
+              <a:t>2022/2/15</a:t>
             </a:fld>
             <a:endParaRPr kumimoji="1" lang="ja-JP" altLang="en-US"/>
           </a:p>
@@ -3006,7 +3006,7 @@
           <a:p>
             <a:fld id="{6B2234B2-986A-634B-BE9E-2E8CC4B3C0FA}" type="datetimeFigureOut">
               <a:rPr kumimoji="1" lang="ja-JP" altLang="en-US" smtClean="0"/>
-              <a:t>2022/1/21</a:t>
+              <a:t>2022/2/15</a:t>
             </a:fld>
             <a:endParaRPr kumimoji="1" lang="ja-JP" altLang="en-US"/>
           </a:p>
@@ -3147,7 +3147,7 @@
           <a:p>
             <a:fld id="{6B2234B2-986A-634B-BE9E-2E8CC4B3C0FA}" type="datetimeFigureOut">
               <a:rPr kumimoji="1" lang="ja-JP" altLang="en-US" smtClean="0"/>
-              <a:t>2022/1/21</a:t>
+              <a:t>2022/2/15</a:t>
             </a:fld>
             <a:endParaRPr kumimoji="1" lang="ja-JP" altLang="en-US"/>
           </a:p>
@@ -3260,7 +3260,7 @@
           <a:p>
             <a:fld id="{6B2234B2-986A-634B-BE9E-2E8CC4B3C0FA}" type="datetimeFigureOut">
               <a:rPr kumimoji="1" lang="ja-JP" altLang="en-US" smtClean="0"/>
-              <a:t>2022/1/21</a:t>
+              <a:t>2022/2/15</a:t>
             </a:fld>
             <a:endParaRPr kumimoji="1" lang="ja-JP" altLang="en-US"/>
           </a:p>
@@ -3603,7 +3603,7 @@
           <a:p>
             <a:fld id="{6B2234B2-986A-634B-BE9E-2E8CC4B3C0FA}" type="datetimeFigureOut">
               <a:rPr kumimoji="1" lang="ja-JP" altLang="en-US" smtClean="0"/>
-              <a:t>2022/1/21</a:t>
+              <a:t>2022/2/15</a:t>
             </a:fld>
             <a:endParaRPr kumimoji="1" lang="ja-JP" altLang="en-US"/>
           </a:p>
@@ -3891,7 +3891,7 @@
           <a:p>
             <a:fld id="{6B2234B2-986A-634B-BE9E-2E8CC4B3C0FA}" type="datetimeFigureOut">
               <a:rPr kumimoji="1" lang="ja-JP" altLang="en-US" smtClean="0"/>
-              <a:t>2022/1/21</a:t>
+              <a:t>2022/2/15</a:t>
             </a:fld>
             <a:endParaRPr kumimoji="1" lang="ja-JP" altLang="en-US"/>
           </a:p>
@@ -4164,7 +4164,7 @@
           <a:p>
             <a:fld id="{6B2234B2-986A-634B-BE9E-2E8CC4B3C0FA}" type="datetimeFigureOut">
               <a:rPr kumimoji="1" lang="ja-JP" altLang="en-US" smtClean="0"/>
-              <a:t>2022/1/21</a:t>
+              <a:t>2022/2/15</a:t>
             </a:fld>
             <a:endParaRPr kumimoji="1" lang="ja-JP" altLang="en-US"/>
           </a:p>
@@ -12286,7 +12286,7 @@
                   </a:schemeClr>
                 </a:solidFill>
               </a:rPr>
-              <a:t>多様性による交互作用が検出</a:t>
+              <a:t>受け皿群集の多様性による交互作用が検出</a:t>
             </a:r>
             <a:endParaRPr lang="en-US" altLang="ja-JP" sz="2400" dirty="0">
               <a:solidFill>

--- a/data/Images/Catford_etal_2021/Catford_etal_2021_01.pptx
+++ b/data/Images/Catford_etal_2021/Catford_etal_2021_01.pptx
@@ -4668,13 +4668,6 @@
               <a:t>翔吾</a:t>
             </a:r>
             <a:endParaRPr lang="en-US" altLang="ja-JP" dirty="0"/>
-          </a:p>
-          <a:p>
-            <a:r>
-              <a:rPr kumimoji="1" lang="en-US" altLang="ja-JP" dirty="0"/>
-              <a:t>2022/01/20</a:t>
-            </a:r>
-            <a:endParaRPr kumimoji="1" lang="ja-JP" altLang="en-US"/>
           </a:p>
         </p:txBody>
       </p:sp>

--- a/data/Images/Catford_etal_2021/Catford_etal_2021_01.pptx
+++ b/data/Images/Catford_etal_2021/Catford_etal_2021_01.pptx
@@ -7655,7 +7655,11 @@
               <a:t>メタ分析に導かれた仮説や概念枠組と異なるか？</a:t>
             </a:r>
             <a:r>
-              <a:rPr lang="en-US" altLang="ja-JP" sz="1400" dirty="0"/>
+              <a:rPr lang="en-US" altLang="ja-JP" sz="1400" dirty="0">
+                <a:highlight>
+                  <a:srgbClr val="000000"/>
+                </a:highlight>
+              </a:rPr>
               <a:t> </a:t>
             </a:r>
             <a:r>
@@ -7664,7 +7668,7 @@
                   <a:schemeClr val="bg1"/>
                 </a:solidFill>
                 <a:highlight>
-                  <a:srgbClr val="0000FF"/>
+                  <a:srgbClr val="000000"/>
                 </a:highlight>
               </a:rPr>
               <a:t>[Yes</a:t>
@@ -7675,7 +7679,7 @@
                   <a:schemeClr val="bg1"/>
                 </a:solidFill>
                 <a:highlight>
-                  <a:srgbClr val="0000FF"/>
+                  <a:srgbClr val="000000"/>
                 </a:highlight>
               </a:rPr>
               <a:t>ならば検証不可能な方法論的差異</a:t>
@@ -7686,7 +7690,7 @@
                   <a:schemeClr val="bg1"/>
                 </a:solidFill>
                 <a:highlight>
-                  <a:srgbClr val="0000FF"/>
+                  <a:srgbClr val="000000"/>
                 </a:highlight>
               </a:rPr>
               <a:t>]</a:t>
@@ -9726,41 +9730,195 @@
               <a:t>の関係における差異が複数の研究間で大きいか？</a:t>
             </a:r>
             <a:r>
+              <a:rPr lang="en-US" altLang="ja-JP" sz="1400" dirty="0">
+                <a:solidFill>
+                  <a:schemeClr val="accent1"/>
+                </a:solidFill>
+              </a:rPr>
+              <a:t> [Yes</a:t>
+            </a:r>
+            <a:r>
+              <a:rPr lang="ja-JP" altLang="en-US" sz="1400">
+                <a:solidFill>
+                  <a:schemeClr val="accent1"/>
+                </a:solidFill>
+              </a:rPr>
+              <a:t>なら</a:t>
+            </a:r>
+            <a:r>
+              <a:rPr lang="en-US" altLang="ja-JP" sz="1400" dirty="0">
+                <a:solidFill>
+                  <a:schemeClr val="accent1"/>
+                </a:solidFill>
+              </a:rPr>
+              <a:t>B3</a:t>
+            </a:r>
+            <a:r>
+              <a:rPr lang="ja-JP" altLang="en-US" sz="1400">
+                <a:solidFill>
+                  <a:schemeClr val="accent1"/>
+                </a:solidFill>
+              </a:rPr>
+              <a:t>へ</a:t>
+            </a:r>
+            <a:r>
+              <a:rPr lang="en-US" altLang="ja-JP" sz="1400" dirty="0">
+                <a:solidFill>
+                  <a:schemeClr val="accent1"/>
+                </a:solidFill>
+              </a:rPr>
+              <a:t>]</a:t>
+            </a:r>
+            <a:r>
               <a:rPr lang="en-US" altLang="ja-JP" sz="1400" dirty="0"/>
-              <a:t> [Yes</a:t>
-            </a:r>
-            <a:r>
-              <a:rPr lang="ja-JP" altLang="en-US" sz="1400"/>
+              <a:t> </a:t>
+            </a:r>
+            <a:r>
+              <a:rPr lang="en-US" altLang="ja-JP" sz="1400" dirty="0">
+                <a:solidFill>
+                  <a:schemeClr val="bg1"/>
+                </a:solidFill>
+                <a:highlight>
+                  <a:srgbClr val="FF0000"/>
+                </a:highlight>
+              </a:rPr>
+              <a:t>[No</a:t>
+            </a:r>
+            <a:r>
+              <a:rPr lang="ja-JP" altLang="en-US" sz="1400">
+                <a:solidFill>
+                  <a:schemeClr val="bg1"/>
+                </a:solidFill>
+                <a:highlight>
+                  <a:srgbClr val="FF0000"/>
+                </a:highlight>
+              </a:rPr>
               <a:t>なら</a:t>
             </a:r>
             <a:r>
-              <a:rPr lang="en-US" altLang="ja-JP" sz="1400" dirty="0"/>
-              <a:t>B3</a:t>
-            </a:r>
-            <a:r>
-              <a:rPr lang="ja-JP" altLang="en-US" sz="1400"/>
-              <a:t>へ</a:t>
-            </a:r>
-            <a:r>
-              <a:rPr lang="en-US" altLang="ja-JP" sz="1400" dirty="0"/>
-              <a:t>] [No</a:t>
-            </a:r>
-            <a:r>
-              <a:rPr lang="ja-JP" altLang="en-US" sz="1400"/>
-              <a:t>なら</a:t>
-            </a:r>
-            <a:r>
-              <a:rPr lang="en-US" altLang="ja-JP" sz="1400" dirty="0"/>
+              <a:rPr lang="en-US" altLang="ja-JP" sz="1400" dirty="0">
+                <a:solidFill>
+                  <a:schemeClr val="bg1"/>
+                </a:solidFill>
+                <a:highlight>
+                  <a:srgbClr val="FF0000"/>
+                </a:highlight>
+              </a:rPr>
               <a:t>CD</a:t>
             </a:r>
             <a:r>
-              <a:rPr lang="ja-JP" altLang="en-US" sz="1400"/>
+              <a:rPr lang="ja-JP" altLang="en-US" sz="1400">
+                <a:solidFill>
+                  <a:schemeClr val="bg1"/>
+                </a:solidFill>
+                <a:highlight>
+                  <a:srgbClr val="FF0000"/>
+                </a:highlight>
+              </a:rPr>
               <a:t>なし</a:t>
             </a:r>
             <a:r>
-              <a:rPr lang="en-US" altLang="ja-JP" sz="1400" dirty="0"/>
+              <a:rPr lang="en-US" altLang="ja-JP" sz="1400" dirty="0">
+                <a:solidFill>
+                  <a:srgbClr val="FF0000"/>
+                </a:solidFill>
+                <a:highlight>
+                  <a:srgbClr val="FF0000"/>
+                </a:highlight>
+              </a:rPr>
               <a:t>]</a:t>
             </a:r>
+          </a:p>
+        </p:txBody>
+      </p:sp>
+      <p:sp>
+        <p:nvSpPr>
+          <p:cNvPr id="57" name="テキスト ボックス 56">
+            <a:extLst>
+              <a:ext uri="{FF2B5EF4-FFF2-40B4-BE49-F238E27FC236}">
+                <a16:creationId xmlns:a16="http://schemas.microsoft.com/office/drawing/2014/main" id="{3522DD09-576E-B044-AEF1-9FF27501AB11}"/>
+              </a:ext>
+            </a:extLst>
+          </p:cNvPr>
+          <p:cNvSpPr txBox="1"/>
+          <p:nvPr/>
+        </p:nvSpPr>
+        <p:spPr>
+          <a:xfrm>
+            <a:off x="11596661" y="2581560"/>
+            <a:ext cx="394660" cy="307777"/>
+          </a:xfrm>
+          <a:prstGeom prst="rect">
+            <a:avLst/>
+          </a:prstGeom>
+          <a:noFill/>
+          <a:ln>
+            <a:noFill/>
+          </a:ln>
+        </p:spPr>
+        <p:txBody>
+          <a:bodyPr wrap="none" rtlCol="0">
+            <a:spAutoFit/>
+          </a:bodyPr>
+          <a:lstStyle/>
+          <a:p>
+            <a:r>
+              <a:rPr kumimoji="1" lang="en-US" altLang="ja-JP" sz="1400" dirty="0">
+                <a:solidFill>
+                  <a:srgbClr val="FF0000"/>
+                </a:solidFill>
+              </a:rPr>
+              <a:t>No</a:t>
+            </a:r>
+            <a:endParaRPr kumimoji="1" lang="ja-JP" altLang="en-US" sz="1400">
+              <a:solidFill>
+                <a:srgbClr val="FF0000"/>
+              </a:solidFill>
+            </a:endParaRPr>
+          </a:p>
+        </p:txBody>
+      </p:sp>
+      <p:sp>
+        <p:nvSpPr>
+          <p:cNvPr id="58" name="テキスト ボックス 57">
+            <a:extLst>
+              <a:ext uri="{FF2B5EF4-FFF2-40B4-BE49-F238E27FC236}">
+                <a16:creationId xmlns:a16="http://schemas.microsoft.com/office/drawing/2014/main" id="{06A401D4-9C76-8A46-945B-634B58888DB4}"/>
+              </a:ext>
+            </a:extLst>
+          </p:cNvPr>
+          <p:cNvSpPr txBox="1"/>
+          <p:nvPr/>
+        </p:nvSpPr>
+        <p:spPr>
+          <a:xfrm>
+            <a:off x="10907062" y="3948631"/>
+            <a:ext cx="420243" cy="307777"/>
+          </a:xfrm>
+          <a:prstGeom prst="rect">
+            <a:avLst/>
+          </a:prstGeom>
+          <a:noFill/>
+        </p:spPr>
+        <p:txBody>
+          <a:bodyPr wrap="none" rtlCol="0">
+            <a:spAutoFit/>
+          </a:bodyPr>
+          <a:lstStyle/>
+          <a:p>
+            <a:r>
+              <a:rPr kumimoji="1" lang="en-US" altLang="ja-JP" sz="1400" dirty="0">
+                <a:solidFill>
+                  <a:srgbClr val="0070C0"/>
+                </a:solidFill>
+              </a:rPr>
+              <a:t>Yes</a:t>
+            </a:r>
+            <a:endParaRPr kumimoji="1" lang="ja-JP" altLang="en-US" sz="1400">
+              <a:solidFill>
+                <a:srgbClr val="0070C0"/>
+              </a:solidFill>
+            </a:endParaRPr>
           </a:p>
         </p:txBody>
       </p:sp>

--- a/data/Images/Catford_etal_2021/Catford_etal_2021_01.pptx
+++ b/data/Images/Catford_etal_2021/Catford_etal_2021_01.pptx
@@ -13146,7 +13146,7 @@
                   </a:schemeClr>
                 </a:solidFill>
               </a:rPr>
-              <a:t>拡散が早い種の種子は、背が高く小さい</a:t>
+              <a:t>拡散が早い種の種子は、</a:t>
             </a:r>
             <a:r>
               <a:rPr lang="en-US" altLang="ja-JP" sz="1600" dirty="0">
@@ -13156,7 +13156,7 @@
                   </a:schemeClr>
                 </a:solidFill>
               </a:rPr>
-              <a:t> or </a:t>
+              <a:t>[</a:t>
             </a:r>
             <a:r>
               <a:rPr lang="ja-JP" altLang="en-US" sz="1600">
@@ -13166,15 +13166,48 @@
                   </a:schemeClr>
                 </a:solidFill>
               </a:rPr>
-              <a:t>重くて動物により拡散される</a:t>
-            </a:r>
-            <a:endParaRPr lang="en-US" altLang="ja-JP" sz="1600" dirty="0">
-              <a:solidFill>
-                <a:schemeClr val="accent2">
-                  <a:lumMod val="50000"/>
-                </a:schemeClr>
-              </a:solidFill>
-            </a:endParaRPr>
+              <a:t>全長が大きく軽い</a:t>
+            </a:r>
+            <a:r>
+              <a:rPr lang="en-US" altLang="ja-JP" sz="1600" dirty="0">
+                <a:solidFill>
+                  <a:schemeClr val="accent2">
+                    <a:lumMod val="50000"/>
+                  </a:schemeClr>
+                </a:solidFill>
+              </a:rPr>
+              <a:t>] </a:t>
+            </a:r>
+            <a:r>
+              <a:rPr lang="en-US" altLang="ja-JP" sz="1600">
+                <a:solidFill>
+                  <a:schemeClr val="accent2">
+                    <a:lumMod val="50000"/>
+                  </a:schemeClr>
+                </a:solidFill>
+              </a:rPr>
+              <a:t>or[</a:t>
+            </a:r>
+            <a:r>
+              <a:rPr lang="ja-JP" altLang="en-US" sz="1600">
+                <a:solidFill>
+                  <a:schemeClr val="accent2">
+                    <a:lumMod val="50000"/>
+                  </a:schemeClr>
+                </a:solidFill>
+              </a:rPr>
+              <a:t>重くて動物拡散</a:t>
+            </a:r>
+            <a:r>
+              <a:rPr lang="en-US" altLang="ja-JP" sz="1600" dirty="0">
+                <a:solidFill>
+                  <a:schemeClr val="accent2">
+                    <a:lumMod val="50000"/>
+                  </a:schemeClr>
+                </a:solidFill>
+              </a:rPr>
+              <a:t>]</a:t>
+            </a:r>
           </a:p>
           <a:p>
             <a:pPr marL="342900" indent="-342900">
